--- a/Presentations/Lab_4.pptx
+++ b/Presentations/Lab_4.pptx
@@ -2814,8 +2814,16 @@
               <a:t>GROUP </a:t>
             </a:r>
             <a:r>
+              <a:rPr lang="ru-RU" altLang="en-US">
+                <a:solidFill>
+                  <a:srgbClr val="A02A1D"/>
+                </a:solidFill>
+              </a:rPr>
+              <a:t>BY </a:t>
+            </a:r>
+            <a:r>
               <a:rPr lang="ru-RU" altLang="en-US"/>
-              <a:t>BY {unsigned_integer | col_name | formula}]</a:t>
+              <a:t>{unsigned_integer | col_name | formula}]</a:t>
             </a:r>
             <a:endParaRPr lang="ru-RU" altLang="en-US"/>
           </a:p>
